--- a/ppt/3.이변량 데이터의 기술 연구.pptx
+++ b/ppt/3.이변량 데이터의 기술 연구.pptx
@@ -268,7 +268,7 @@
           <a:p>
             <a:fld id="{F80D4FE6-626B-49E2-B428-1CDD35A375E8}" type="datetimeFigureOut">
               <a:rPr lang="ko-KR" altLang="en-US" smtClean="0"/>
-              <a:t>2017-02-27</a:t>
+              <a:t>2017-03-21</a:t>
             </a:fld>
             <a:endParaRPr lang="ko-KR" altLang="en-US"/>
           </a:p>
@@ -438,7 +438,7 @@
           <a:p>
             <a:fld id="{F80D4FE6-626B-49E2-B428-1CDD35A375E8}" type="datetimeFigureOut">
               <a:rPr lang="ko-KR" altLang="en-US" smtClean="0"/>
-              <a:t>2017-02-27</a:t>
+              <a:t>2017-03-21</a:t>
             </a:fld>
             <a:endParaRPr lang="ko-KR" altLang="en-US"/>
           </a:p>
@@ -618,7 +618,7 @@
           <a:p>
             <a:fld id="{F80D4FE6-626B-49E2-B428-1CDD35A375E8}" type="datetimeFigureOut">
               <a:rPr lang="ko-KR" altLang="en-US" smtClean="0"/>
-              <a:t>2017-02-27</a:t>
+              <a:t>2017-03-21</a:t>
             </a:fld>
             <a:endParaRPr lang="ko-KR" altLang="en-US"/>
           </a:p>
@@ -788,7 +788,7 @@
           <a:p>
             <a:fld id="{F80D4FE6-626B-49E2-B428-1CDD35A375E8}" type="datetimeFigureOut">
               <a:rPr lang="ko-KR" altLang="en-US" smtClean="0"/>
-              <a:t>2017-02-27</a:t>
+              <a:t>2017-03-21</a:t>
             </a:fld>
             <a:endParaRPr lang="ko-KR" altLang="en-US"/>
           </a:p>
@@ -1034,7 +1034,7 @@
           <a:p>
             <a:fld id="{F80D4FE6-626B-49E2-B428-1CDD35A375E8}" type="datetimeFigureOut">
               <a:rPr lang="ko-KR" altLang="en-US" smtClean="0"/>
-              <a:t>2017-02-27</a:t>
+              <a:t>2017-03-21</a:t>
             </a:fld>
             <a:endParaRPr lang="ko-KR" altLang="en-US"/>
           </a:p>
@@ -1266,7 +1266,7 @@
           <a:p>
             <a:fld id="{F80D4FE6-626B-49E2-B428-1CDD35A375E8}" type="datetimeFigureOut">
               <a:rPr lang="ko-KR" altLang="en-US" smtClean="0"/>
-              <a:t>2017-02-27</a:t>
+              <a:t>2017-03-21</a:t>
             </a:fld>
             <a:endParaRPr lang="ko-KR" altLang="en-US"/>
           </a:p>
@@ -1633,7 +1633,7 @@
           <a:p>
             <a:fld id="{F80D4FE6-626B-49E2-B428-1CDD35A375E8}" type="datetimeFigureOut">
               <a:rPr lang="ko-KR" altLang="en-US" smtClean="0"/>
-              <a:t>2017-02-27</a:t>
+              <a:t>2017-03-21</a:t>
             </a:fld>
             <a:endParaRPr lang="ko-KR" altLang="en-US"/>
           </a:p>
@@ -1751,7 +1751,7 @@
           <a:p>
             <a:fld id="{F80D4FE6-626B-49E2-B428-1CDD35A375E8}" type="datetimeFigureOut">
               <a:rPr lang="ko-KR" altLang="en-US" smtClean="0"/>
-              <a:t>2017-02-27</a:t>
+              <a:t>2017-03-21</a:t>
             </a:fld>
             <a:endParaRPr lang="ko-KR" altLang="en-US"/>
           </a:p>
@@ -1846,7 +1846,7 @@
           <a:p>
             <a:fld id="{F80D4FE6-626B-49E2-B428-1CDD35A375E8}" type="datetimeFigureOut">
               <a:rPr lang="ko-KR" altLang="en-US" smtClean="0"/>
-              <a:t>2017-02-27</a:t>
+              <a:t>2017-03-21</a:t>
             </a:fld>
             <a:endParaRPr lang="ko-KR" altLang="en-US"/>
           </a:p>
@@ -2123,7 +2123,7 @@
           <a:p>
             <a:fld id="{F80D4FE6-626B-49E2-B428-1CDD35A375E8}" type="datetimeFigureOut">
               <a:rPr lang="ko-KR" altLang="en-US" smtClean="0"/>
-              <a:t>2017-02-27</a:t>
+              <a:t>2017-03-21</a:t>
             </a:fld>
             <a:endParaRPr lang="ko-KR" altLang="en-US"/>
           </a:p>
@@ -2376,7 +2376,7 @@
           <a:p>
             <a:fld id="{F80D4FE6-626B-49E2-B428-1CDD35A375E8}" type="datetimeFigureOut">
               <a:rPr lang="ko-KR" altLang="en-US" smtClean="0"/>
-              <a:t>2017-02-27</a:t>
+              <a:t>2017-03-21</a:t>
             </a:fld>
             <a:endParaRPr lang="ko-KR" altLang="en-US"/>
           </a:p>
@@ -2589,7 +2589,7 @@
           <a:p>
             <a:fld id="{F80D4FE6-626B-49E2-B428-1CDD35A375E8}" type="datetimeFigureOut">
               <a:rPr lang="ko-KR" altLang="en-US" smtClean="0"/>
-              <a:t>2017-02-27</a:t>
+              <a:t>2017-03-21</a:t>
             </a:fld>
             <a:endParaRPr lang="ko-KR" altLang="en-US"/>
           </a:p>
@@ -13576,8 +13576,8 @@
           </a:p>
         </p:txBody>
       </p:sp>
-      <mc:AlternateContent xmlns:mc="http://schemas.openxmlformats.org/markup-compatibility/2006">
-        <mc:Choice xmlns:a14="http://schemas.microsoft.com/office/drawing/2010/main" Requires="a14">
+      <mc:AlternateContent xmlns:mc="http://schemas.openxmlformats.org/markup-compatibility/2006" xmlns:a14="http://schemas.microsoft.com/office/drawing/2010/main">
+        <mc:Choice Requires="a14">
           <p:sp>
             <p:nvSpPr>
               <p:cNvPr id="3" name="내용 개체 틀 2"/>
@@ -14283,7 +14283,7 @@
             </p:txBody>
           </p:sp>
         </mc:Choice>
-        <mc:Fallback>
+        <mc:Fallback xmlns="">
           <p:sp>
             <p:nvSpPr>
               <p:cNvPr id="3" name="내용 개체 틀 2"/>
@@ -18781,11 +18781,7 @@
           <a:p>
             <a:r>
               <a:rPr lang="ko-KR" altLang="en-US" sz="2000" spc="-150" dirty="0" smtClean="0"/>
-              <a:t>기계과 </a:t>
-            </a:r>
-            <a:r>
-              <a:rPr lang="ko-KR" altLang="en-US" sz="2000" spc="-150" dirty="0" smtClean="0"/>
-              <a:t>남성 </a:t>
+              <a:t>기계과 남성 </a:t>
             </a:r>
             <a:r>
               <a:rPr lang="ko-KR" altLang="en-US" sz="2000" spc="-150" dirty="0" err="1" smtClean="0"/>
@@ -19780,11 +19776,7 @@
             </a:r>
             <a:r>
               <a:rPr lang="ko-KR" altLang="en-US" dirty="0" smtClean="0"/>
-              <a:t> 역설이라 </a:t>
-            </a:r>
-            <a:r>
-              <a:rPr lang="ko-KR" altLang="en-US" dirty="0" smtClean="0"/>
-              <a:t>함</a:t>
+              <a:t> 역설이라 함</a:t>
             </a:r>
             <a:endParaRPr lang="en-US" altLang="ko-KR" dirty="0" smtClean="0"/>
           </a:p>
@@ -20843,8 +20835,8 @@
           </a:p>
         </p:txBody>
       </p:sp>
-      <mc:AlternateContent xmlns:mc="http://schemas.openxmlformats.org/markup-compatibility/2006" xmlns:a14="http://schemas.microsoft.com/office/drawing/2010/main">
-        <mc:Choice Requires="a14">
+      <mc:AlternateContent xmlns:mc="http://schemas.openxmlformats.org/markup-compatibility/2006">
+        <mc:Choice xmlns:a14="http://schemas.microsoft.com/office/drawing/2010/main" Requires="a14">
           <p:sp>
             <p:nvSpPr>
               <p:cNvPr id="3" name="내용 개체 틀 2"/>
@@ -20852,10 +20844,15 @@
                 <a:spLocks noGrp="1"/>
               </p:cNvSpPr>
               <p:nvPr>
-                <p:ph idx="1"/>
+                <p:ph sz="half" idx="1"/>
               </p:nvPr>
             </p:nvSpPr>
-            <p:spPr/>
+            <p:spPr>
+              <a:xfrm>
+                <a:off x="838199" y="1825625"/>
+                <a:ext cx="6386385" cy="4351338"/>
+              </a:xfrm>
+            </p:spPr>
             <p:txBody>
               <a:bodyPr/>
               <a:lstStyle/>
@@ -21043,7 +21040,7 @@
             </p:txBody>
           </p:sp>
         </mc:Choice>
-        <mc:Fallback xmlns="">
+        <mc:Fallback>
           <p:sp>
             <p:nvSpPr>
               <p:cNvPr id="3" name="내용 개체 틀 2"/>
@@ -21051,14 +21048,18 @@
                 <a:spLocks noGrp="1" noRot="1" noChangeAspect="1" noMove="1" noResize="1" noEditPoints="1" noAdjustHandles="1" noChangeArrowheads="1" noChangeShapeType="1" noTextEdit="1"/>
               </p:cNvSpPr>
               <p:nvPr>
-                <p:ph idx="1"/>
+                <p:ph sz="half" idx="1"/>
               </p:nvPr>
             </p:nvSpPr>
             <p:spPr>
+              <a:xfrm>
+                <a:off x="838199" y="1825625"/>
+                <a:ext cx="6386385" cy="4351338"/>
+              </a:xfrm>
               <a:blipFill rotWithShape="0">
                 <a:blip r:embed="rId2"/>
                 <a:stretch>
-                  <a:fillRect l="-1043" t="-2381"/>
+                  <a:fillRect l="-1622" t="-2381" r="-1718"/>
                 </a:stretch>
               </a:blipFill>
             </p:spPr>
@@ -21077,6 +21078,39 @@
           </p:sp>
         </mc:Fallback>
       </mc:AlternateContent>
+      <p:pic>
+        <p:nvPicPr>
+          <p:cNvPr id="6" name="Picture 6"/>
+          <p:cNvPicPr>
+            <a:picLocks noGrp="1" noChangeAspect="1" noChangeArrowheads="1"/>
+          </p:cNvPicPr>
+          <p:nvPr>
+            <p:ph sz="half" idx="2"/>
+          </p:nvPr>
+        </p:nvPicPr>
+        <p:blipFill>
+          <a:blip r:embed="rId3">
+            <a:extLst>
+              <a:ext uri="{28A0092B-C50C-407E-A947-70E740481C1C}">
+                <a14:useLocalDpi xmlns:a14="http://schemas.microsoft.com/office/drawing/2010/main" val="0"/>
+              </a:ext>
+            </a:extLst>
+          </a:blip>
+          <a:srcRect/>
+          <a:stretch>
+            <a:fillRect/>
+          </a:stretch>
+        </p:blipFill>
+        <p:spPr>
+          <a:xfrm>
+            <a:off x="7325307" y="1921348"/>
+            <a:ext cx="3956441" cy="3581528"/>
+          </a:xfrm>
+          <a:prstGeom prst="rect">
+            <a:avLst/>
+          </a:prstGeom>
+        </p:spPr>
+      </p:pic>
     </p:spTree>
     <p:extLst>
       <p:ext uri="{BB962C8B-B14F-4D97-AF65-F5344CB8AC3E}">
